--- a/Programação Orientada a Objetos com Java/[Aula] Programação Orientada a Objetos com Java.pptx
+++ b/Programação Orientada a Objetos com Java/[Aula] Programação Orientada a Objetos com Java.pptx
@@ -3995,96 +3995,6 @@
                             </p:childTnLst>
                           </p:cTn>
                         </p:par>
-                        <p:par>
-                          <p:cTn id="42" fill="hold">
-                            <p:stCondLst>
-                              <p:cond delay="5250"/>
-                            </p:stCondLst>
-                            <p:childTnLst>
-                              <p:par>
-                                <p:cTn id="43" presetID="47" presetClass="entr" presetSubtype="0" fill="hold" nodeType="afterEffect">
-                                  <p:stCondLst>
-                                    <p:cond delay="0"/>
-                                  </p:stCondLst>
-                                  <p:childTnLst>
-                                    <p:set>
-                                      <p:cBhvr>
-                                        <p:cTn id="44" dur="1" fill="hold">
-                                          <p:stCondLst>
-                                            <p:cond delay="0"/>
-                                          </p:stCondLst>
-                                        </p:cTn>
-                                        <p:tgtEl>
-                                          <p:spTgt spid="5"/>
-                                        </p:tgtEl>
-                                        <p:attrNameLst>
-                                          <p:attrName>style.visibility</p:attrName>
-                                        </p:attrNameLst>
-                                      </p:cBhvr>
-                                      <p:to>
-                                        <p:strVal val="visible"/>
-                                      </p:to>
-                                    </p:set>
-                                    <p:animEffect transition="in" filter="fade">
-                                      <p:cBhvr>
-                                        <p:cTn id="45" dur="1000"/>
-                                        <p:tgtEl>
-                                          <p:spTgt spid="5"/>
-                                        </p:tgtEl>
-                                      </p:cBhvr>
-                                    </p:animEffect>
-                                    <p:anim calcmode="lin" valueType="num">
-                                      <p:cBhvr>
-                                        <p:cTn id="46" dur="1000" fill="hold"/>
-                                        <p:tgtEl>
-                                          <p:spTgt spid="5"/>
-                                        </p:tgtEl>
-                                        <p:attrNameLst>
-                                          <p:attrName>ppt_x</p:attrName>
-                                        </p:attrNameLst>
-                                      </p:cBhvr>
-                                      <p:tavLst>
-                                        <p:tav tm="0">
-                                          <p:val>
-                                            <p:strVal val="#ppt_x"/>
-                                          </p:val>
-                                        </p:tav>
-                                        <p:tav tm="100000">
-                                          <p:val>
-                                            <p:strVal val="#ppt_x"/>
-                                          </p:val>
-                                        </p:tav>
-                                      </p:tavLst>
-                                    </p:anim>
-                                    <p:anim calcmode="lin" valueType="num">
-                                      <p:cBhvr>
-                                        <p:cTn id="47" dur="1000" fill="hold"/>
-                                        <p:tgtEl>
-                                          <p:spTgt spid="5"/>
-                                        </p:tgtEl>
-                                        <p:attrNameLst>
-                                          <p:attrName>ppt_y</p:attrName>
-                                        </p:attrNameLst>
-                                      </p:cBhvr>
-                                      <p:tavLst>
-                                        <p:tav tm="0">
-                                          <p:val>
-                                            <p:strVal val="#ppt_y-.1"/>
-                                          </p:val>
-                                        </p:tav>
-                                        <p:tav tm="100000">
-                                          <p:val>
-                                            <p:strVal val="#ppt_y"/>
-                                          </p:val>
-                                        </p:tav>
-                                      </p:tavLst>
-                                    </p:anim>
-                                  </p:childTnLst>
-                                </p:cTn>
-                              </p:par>
-                            </p:childTnLst>
-                          </p:cTn>
-                        </p:par>
                       </p:childTnLst>
                     </p:cTn>
                   </p:par>
